--- a/doc/日志引擎.pptx
+++ b/doc/日志引擎.pptx
@@ -32,8 +32,9 @@
     <p:sldId id="279" r:id="rId26"/>
     <p:sldId id="280" r:id="rId27"/>
     <p:sldId id="281" r:id="rId28"/>
-    <p:sldId id="282" r:id="rId29"/>
-    <p:sldId id="285" r:id="rId30"/>
+    <p:sldId id="286" r:id="rId29"/>
+    <p:sldId id="282" r:id="rId30"/>
+    <p:sldId id="285" r:id="rId31"/>
   </p:sldIdLst>
   <p:sldSz cx="12192000" cy="6858000"/>
   <p:notesSz cx="6858000" cy="9144000"/>
@@ -132,6 +133,11 @@
       </a:defRPr>
     </a:lvl9pPr>
   </p:defaultTextStyle>
+  <p:extLst>
+    <p:ext uri="{EFAFB233-063F-42B5-8137-9DF3F51BA10A}">
+      <p15:sldGuideLst xmlns:p15="http://schemas.microsoft.com/office/powerpoint/2012/main"/>
+    </p:ext>
+  </p:extLst>
 </p:presentation>
 </file>
 
@@ -318,7 +324,7 @@
           <a:p>
             <a:fld id="{4AAD347D-5ACD-4C99-B74B-A9C85AD731AF}" type="datetimeFigureOut">
               <a:rPr lang="en-US" dirty="0"/>
-              <a:t>6/25/2020</a:t>
+              <a:t>6/30/2020</a:t>
             </a:fld>
             <a:endParaRPr lang="en-US" dirty="0"/>
           </a:p>
@@ -588,7 +594,7 @@
           <a:p>
             <a:fld id="{4509A250-FF31-4206-8172-F9D3106AACB1}" type="datetimeFigureOut">
               <a:rPr lang="en-US" dirty="0"/>
-              <a:t>6/25/2020</a:t>
+              <a:t>6/30/2020</a:t>
             </a:fld>
             <a:endParaRPr lang="en-US" dirty="0"/>
           </a:p>
@@ -777,7 +783,7 @@
           <a:p>
             <a:fld id="{4509A250-FF31-4206-8172-F9D3106AACB1}" type="datetimeFigureOut">
               <a:rPr lang="en-US" dirty="0"/>
-              <a:t>6/25/2020</a:t>
+              <a:t>6/30/2020</a:t>
             </a:fld>
             <a:endParaRPr lang="en-US" dirty="0"/>
           </a:p>
@@ -1040,7 +1046,7 @@
           <a:p>
             <a:fld id="{4509A250-FF31-4206-8172-F9D3106AACB1}" type="datetimeFigureOut">
               <a:rPr lang="en-US" dirty="0"/>
-              <a:t>6/25/2020</a:t>
+              <a:t>6/30/2020</a:t>
             </a:fld>
             <a:endParaRPr lang="en-US" dirty="0"/>
           </a:p>
@@ -1367,7 +1373,7 @@
           <a:p>
             <a:fld id="{4509A250-FF31-4206-8172-F9D3106AACB1}" type="datetimeFigureOut">
               <a:rPr lang="en-US" dirty="0"/>
-              <a:t>6/25/2020</a:t>
+              <a:t>6/30/2020</a:t>
             </a:fld>
             <a:endParaRPr lang="en-US" dirty="0"/>
           </a:p>
@@ -1972,7 +1978,7 @@
           <a:p>
             <a:fld id="{4509A250-FF31-4206-8172-F9D3106AACB1}" type="datetimeFigureOut">
               <a:rPr lang="en-US" dirty="0"/>
-              <a:t>6/25/2020</a:t>
+              <a:t>6/30/2020</a:t>
             </a:fld>
             <a:endParaRPr lang="en-US" dirty="0"/>
           </a:p>
@@ -2814,7 +2820,7 @@
           <a:p>
             <a:fld id="{4509A250-FF31-4206-8172-F9D3106AACB1}" type="datetimeFigureOut">
               <a:rPr lang="en-US" dirty="0"/>
-              <a:t>6/25/2020</a:t>
+              <a:t>6/30/2020</a:t>
             </a:fld>
             <a:endParaRPr lang="en-US" dirty="0"/>
           </a:p>
@@ -2979,7 +2985,7 @@
           <a:p>
             <a:fld id="{4509A250-FF31-4206-8172-F9D3106AACB1}" type="datetimeFigureOut">
               <a:rPr lang="en-US" dirty="0"/>
-              <a:t>6/25/2020</a:t>
+              <a:t>6/30/2020</a:t>
             </a:fld>
             <a:endParaRPr lang="en-US" dirty="0"/>
           </a:p>
@@ -3154,7 +3160,7 @@
           <a:p>
             <a:fld id="{4509A250-FF31-4206-8172-F9D3106AACB1}" type="datetimeFigureOut">
               <a:rPr lang="en-US" dirty="0"/>
-              <a:t>6/25/2020</a:t>
+              <a:t>6/30/2020</a:t>
             </a:fld>
             <a:endParaRPr lang="en-US" dirty="0"/>
           </a:p>
@@ -3319,7 +3325,7 @@
           <a:p>
             <a:fld id="{4509A250-FF31-4206-8172-F9D3106AACB1}" type="datetimeFigureOut">
               <a:rPr lang="en-US" dirty="0"/>
-              <a:t>6/25/2020</a:t>
+              <a:t>6/30/2020</a:t>
             </a:fld>
             <a:endParaRPr lang="en-US" dirty="0"/>
           </a:p>
@@ -3558,7 +3564,7 @@
           <a:p>
             <a:fld id="{4509A250-FF31-4206-8172-F9D3106AACB1}" type="datetimeFigureOut">
               <a:rPr lang="en-US" dirty="0"/>
-              <a:t>6/25/2020</a:t>
+              <a:t>6/30/2020</a:t>
             </a:fld>
             <a:endParaRPr lang="en-US" dirty="0"/>
           </a:p>
@@ -3845,7 +3851,7 @@
           <a:p>
             <a:fld id="{4509A250-FF31-4206-8172-F9D3106AACB1}" type="datetimeFigureOut">
               <a:rPr lang="en-US" dirty="0"/>
-              <a:t>6/25/2020</a:t>
+              <a:t>6/30/2020</a:t>
             </a:fld>
             <a:endParaRPr lang="en-US" dirty="0"/>
           </a:p>
@@ -4278,7 +4284,7 @@
           <a:p>
             <a:fld id="{4509A250-FF31-4206-8172-F9D3106AACB1}" type="datetimeFigureOut">
               <a:rPr lang="en-US" dirty="0"/>
-              <a:t>6/25/2020</a:t>
+              <a:t>6/30/2020</a:t>
             </a:fld>
             <a:endParaRPr lang="en-US" dirty="0"/>
           </a:p>
@@ -4391,7 +4397,7 @@
           <a:p>
             <a:fld id="{4509A250-FF31-4206-8172-F9D3106AACB1}" type="datetimeFigureOut">
               <a:rPr lang="en-US" dirty="0"/>
-              <a:t>6/25/2020</a:t>
+              <a:t>6/30/2020</a:t>
             </a:fld>
             <a:endParaRPr lang="en-US" dirty="0"/>
           </a:p>
@@ -4481,7 +4487,7 @@
           <a:p>
             <a:fld id="{4509A250-FF31-4206-8172-F9D3106AACB1}" type="datetimeFigureOut">
               <a:rPr lang="en-US" dirty="0"/>
-              <a:t>6/25/2020</a:t>
+              <a:t>6/30/2020</a:t>
             </a:fld>
             <a:endParaRPr lang="en-US" dirty="0"/>
           </a:p>
@@ -4755,7 +4761,7 @@
           <a:p>
             <a:fld id="{4509A250-FF31-4206-8172-F9D3106AACB1}" type="datetimeFigureOut">
               <a:rPr lang="en-US" dirty="0"/>
-              <a:t>6/25/2020</a:t>
+              <a:t>6/30/2020</a:t>
             </a:fld>
             <a:endParaRPr lang="en-US" dirty="0"/>
           </a:p>
@@ -5025,7 +5031,7 @@
           <a:p>
             <a:fld id="{4509A250-FF31-4206-8172-F9D3106AACB1}" type="datetimeFigureOut">
               <a:rPr lang="en-US" dirty="0"/>
-              <a:t>6/25/2020</a:t>
+              <a:t>6/30/2020</a:t>
             </a:fld>
             <a:endParaRPr lang="en-US" dirty="0"/>
           </a:p>
@@ -5449,7 +5455,7 @@
           <a:p>
             <a:fld id="{4509A250-FF31-4206-8172-F9D3106AACB1}" type="datetimeFigureOut">
               <a:rPr lang="en-US" dirty="0"/>
-              <a:t>6/25/2020</a:t>
+              <a:t>6/30/2020</a:t>
             </a:fld>
             <a:endParaRPr lang="en-US" dirty="0"/>
           </a:p>
@@ -7679,11 +7685,6 @@
               </a:rPr>
               <a:t>未使用任何日志组件的启动画面</a:t>
             </a:r>
-            <a:endParaRPr lang="zh-CN" altLang="en-US" sz="2000" cap="all" dirty="0">
-              <a:solidFill>
-                <a:schemeClr val="accent1"/>
-              </a:solidFill>
-            </a:endParaRPr>
           </a:p>
         </p:txBody>
       </p:sp>
@@ -11770,13 +11771,10 @@
           <a:lstStyle/>
           <a:p>
             <a:r>
-              <a:rPr lang="zh-CN" altLang="en-US" b="1" dirty="0"/>
-              <a:t>特别鸣谢</a:t>
-            </a:r>
-            <a:br>
-              <a:rPr lang="zh-CN" altLang="en-US" b="1" dirty="0"/>
-            </a:br>
-            <a:endParaRPr lang="zh-CN" altLang="en-US" dirty="0"/>
+              <a:rPr lang="zh-CN" altLang="en-US" smtClean="0"/>
+              <a:t>案例分析</a:t>
+            </a:r>
+            <a:endParaRPr lang="zh-CN" altLang="en-US"/>
           </a:p>
         </p:txBody>
       </p:sp>
@@ -11795,25 +11793,7 @@
           <a:bodyPr/>
           <a:lstStyle/>
           <a:p>
-            <a:r>
-              <a:rPr lang="zh-CN" altLang="en-US" dirty="0" smtClean="0"/>
-              <a:t>邹德福：日志引擎基础框架的规划</a:t>
-            </a:r>
-            <a:endParaRPr lang="en-US" altLang="zh-CN" dirty="0" smtClean="0"/>
-          </a:p>
-          <a:p>
-            <a:r>
-              <a:rPr lang="zh-CN" altLang="en-US" dirty="0" smtClean="0"/>
-              <a:t>李    浩：日志实时统计分析的规划及大量测试与实践</a:t>
-            </a:r>
-            <a:endParaRPr lang="en-US" altLang="zh-CN" dirty="0" smtClean="0"/>
-          </a:p>
-          <a:p>
-            <a:r>
-              <a:rPr lang="zh-CN" altLang="en-US" dirty="0" smtClean="0"/>
-              <a:t>程志华：业务用时算法的方案</a:t>
-            </a:r>
-            <a:endParaRPr lang="zh-CN" altLang="en-US" dirty="0"/>
+            <a:endParaRPr lang="zh-CN" altLang="en-US"/>
           </a:p>
         </p:txBody>
       </p:sp>
@@ -11909,6 +11889,188 @@
     </p:spTree>
     <p:extLst>
       <p:ext uri="{BB962C8B-B14F-4D97-AF65-F5344CB8AC3E}">
+        <p14:creationId xmlns:p14="http://schemas.microsoft.com/office/powerpoint/2010/main" val="3717734100"/>
+      </p:ext>
+    </p:extLst>
+  </p:cSld>
+  <p:clrMapOvr>
+    <a:masterClrMapping/>
+  </p:clrMapOvr>
+</p:sld>
+</file>
+
+<file path=ppt/slides/slide29.xml><?xml version="1.0" encoding="utf-8"?>
+<p:sld xmlns:a="http://schemas.openxmlformats.org/drawingml/2006/main" xmlns:r="http://schemas.openxmlformats.org/officeDocument/2006/relationships" xmlns:p="http://schemas.openxmlformats.org/presentationml/2006/main">
+  <p:cSld>
+    <p:spTree>
+      <p:nvGrpSpPr>
+        <p:cNvPr id="1" name=""/>
+        <p:cNvGrpSpPr/>
+        <p:nvPr/>
+      </p:nvGrpSpPr>
+      <p:grpSpPr>
+        <a:xfrm>
+          <a:off x="0" y="0"/>
+          <a:ext cx="0" cy="0"/>
+          <a:chOff x="0" y="0"/>
+          <a:chExt cx="0" cy="0"/>
+        </a:xfrm>
+      </p:grpSpPr>
+      <p:sp>
+        <p:nvSpPr>
+          <p:cNvPr id="2" name="标题 1"/>
+          <p:cNvSpPr>
+            <a:spLocks noGrp="1"/>
+          </p:cNvSpPr>
+          <p:nvPr>
+            <p:ph type="title"/>
+          </p:nvPr>
+        </p:nvSpPr>
+        <p:spPr/>
+        <p:txBody>
+          <a:bodyPr/>
+          <a:lstStyle/>
+          <a:p>
+            <a:r>
+              <a:rPr lang="zh-CN" altLang="en-US" b="1" dirty="0"/>
+              <a:t>特别鸣谢</a:t>
+            </a:r>
+            <a:br>
+              <a:rPr lang="zh-CN" altLang="en-US" b="1" dirty="0"/>
+            </a:br>
+            <a:endParaRPr lang="zh-CN" altLang="en-US" dirty="0"/>
+          </a:p>
+        </p:txBody>
+      </p:sp>
+      <p:sp>
+        <p:nvSpPr>
+          <p:cNvPr id="3" name="内容占位符 2"/>
+          <p:cNvSpPr>
+            <a:spLocks noGrp="1"/>
+          </p:cNvSpPr>
+          <p:nvPr>
+            <p:ph idx="1"/>
+          </p:nvPr>
+        </p:nvSpPr>
+        <p:spPr/>
+        <p:txBody>
+          <a:bodyPr/>
+          <a:lstStyle/>
+          <a:p>
+            <a:r>
+              <a:rPr lang="zh-CN" altLang="en-US" dirty="0" smtClean="0"/>
+              <a:t>邹德福：日志引擎基础框架的规划</a:t>
+            </a:r>
+            <a:endParaRPr lang="en-US" altLang="zh-CN" dirty="0" smtClean="0"/>
+          </a:p>
+          <a:p>
+            <a:r>
+              <a:rPr lang="zh-CN" altLang="en-US" dirty="0" smtClean="0"/>
+              <a:t>李    浩：日志实时统计分析的规划及大量测试与实践</a:t>
+            </a:r>
+            <a:endParaRPr lang="en-US" altLang="zh-CN" dirty="0" smtClean="0"/>
+          </a:p>
+          <a:p>
+            <a:r>
+              <a:rPr lang="zh-CN" altLang="en-US" dirty="0" smtClean="0"/>
+              <a:t>程志华：业务用时算法的方案</a:t>
+            </a:r>
+            <a:endParaRPr lang="zh-CN" altLang="en-US" dirty="0"/>
+          </a:p>
+        </p:txBody>
+      </p:sp>
+      <p:sp>
+        <p:nvSpPr>
+          <p:cNvPr id="4" name="矩形 3"/>
+          <p:cNvSpPr/>
+          <p:nvPr/>
+        </p:nvSpPr>
+        <p:spPr>
+          <a:xfrm>
+            <a:off x="10448629" y="92329"/>
+            <a:ext cx="587020" cy="923330"/>
+          </a:xfrm>
+          <a:prstGeom prst="rect">
+            <a:avLst/>
+          </a:prstGeom>
+          <a:noFill/>
+        </p:spPr>
+        <p:txBody>
+          <a:bodyPr wrap="none" lIns="91440" tIns="45720" rIns="91440" bIns="45720">
+            <a:spAutoFit/>
+          </a:bodyPr>
+          <a:lstStyle/>
+          <a:p>
+            <a:pPr algn="ctr"/>
+            <a:r>
+              <a:rPr lang="en-GB" altLang="zh-CN" sz="5400" b="1" dirty="0">
+                <a:ln w="12700">
+                  <a:solidFill>
+                    <a:schemeClr val="tx2">
+                      <a:lumMod val="75000"/>
+                    </a:schemeClr>
+                  </a:solidFill>
+                  <a:prstDash val="solid"/>
+                </a:ln>
+                <a:pattFill prst="dkUpDiag">
+                  <a:fgClr>
+                    <a:schemeClr val="tx2"/>
+                  </a:fgClr>
+                  <a:bgClr>
+                    <a:schemeClr val="tx2">
+                      <a:lumMod val="20000"/>
+                      <a:lumOff val="80000"/>
+                    </a:schemeClr>
+                  </a:bgClr>
+                </a:pattFill>
+                <a:effectLst>
+                  <a:outerShdw dist="38100" dir="2640000" algn="bl" rotWithShape="0">
+                    <a:schemeClr val="tx2">
+                      <a:lumMod val="75000"/>
+                    </a:schemeClr>
+                  </a:outerShdw>
+                </a:effectLst>
+                <a:latin typeface="华文隶书" panose="02010800040101010101" pitchFamily="2" charset="-122"/>
+                <a:ea typeface="华文隶书" panose="02010800040101010101" pitchFamily="2" charset="-122"/>
+              </a:rPr>
+              <a:t>L</a:t>
+            </a:r>
+            <a:endParaRPr lang="zh-CN" altLang="en-US" sz="5400" b="1" dirty="0">
+              <a:ln w="12700">
+                <a:solidFill>
+                  <a:schemeClr val="tx2">
+                    <a:lumMod val="75000"/>
+                  </a:schemeClr>
+                </a:solidFill>
+                <a:prstDash val="solid"/>
+              </a:ln>
+              <a:pattFill prst="dkUpDiag">
+                <a:fgClr>
+                  <a:schemeClr val="tx2"/>
+                </a:fgClr>
+                <a:bgClr>
+                  <a:schemeClr val="tx2">
+                    <a:lumMod val="20000"/>
+                    <a:lumOff val="80000"/>
+                  </a:schemeClr>
+                </a:bgClr>
+              </a:pattFill>
+              <a:effectLst>
+                <a:outerShdw dist="38100" dir="2640000" algn="bl" rotWithShape="0">
+                  <a:schemeClr val="tx2">
+                    <a:lumMod val="75000"/>
+                  </a:schemeClr>
+                </a:outerShdw>
+              </a:effectLst>
+              <a:latin typeface="华文隶书" panose="02010800040101010101" pitchFamily="2" charset="-122"/>
+              <a:ea typeface="华文隶书" panose="02010800040101010101" pitchFamily="2" charset="-122"/>
+            </a:endParaRPr>
+          </a:p>
+        </p:txBody>
+      </p:sp>
+    </p:spTree>
+    <p:extLst>
+      <p:ext uri="{BB962C8B-B14F-4D97-AF65-F5344CB8AC3E}">
         <p14:creationId xmlns:p14="http://schemas.microsoft.com/office/powerpoint/2010/main" val="3807372562"/>
       </p:ext>
     </p:extLst>
@@ -11926,7 +12088,326 @@
 </p:sld>
 </file>
 
-<file path=ppt/slides/slide29.xml><?xml version="1.0" encoding="utf-8"?>
+<file path=ppt/slides/slide3.xml><?xml version="1.0" encoding="utf-8"?>
+<p:sld xmlns:a="http://schemas.openxmlformats.org/drawingml/2006/main" xmlns:r="http://schemas.openxmlformats.org/officeDocument/2006/relationships" xmlns:p="http://schemas.openxmlformats.org/presentationml/2006/main">
+  <p:cSld>
+    <p:spTree>
+      <p:nvGrpSpPr>
+        <p:cNvPr id="1" name=""/>
+        <p:cNvGrpSpPr/>
+        <p:nvPr/>
+      </p:nvGrpSpPr>
+      <p:grpSpPr>
+        <a:xfrm>
+          <a:off x="0" y="0"/>
+          <a:ext cx="0" cy="0"/>
+          <a:chOff x="0" y="0"/>
+          <a:chExt cx="0" cy="0"/>
+        </a:xfrm>
+      </p:grpSpPr>
+      <p:sp>
+        <p:nvSpPr>
+          <p:cNvPr id="2" name="标题 1"/>
+          <p:cNvSpPr>
+            <a:spLocks noGrp="1"/>
+          </p:cNvSpPr>
+          <p:nvPr>
+            <p:ph type="title"/>
+          </p:nvPr>
+        </p:nvSpPr>
+        <p:spPr/>
+        <p:txBody>
+          <a:bodyPr/>
+          <a:lstStyle/>
+          <a:p>
+            <a:r>
+              <a:rPr lang="zh-CN" altLang="en-US" dirty="0" smtClean="0"/>
+              <a:t>松藕合</a:t>
+            </a:r>
+            <a:r>
+              <a:rPr lang="en-GB" altLang="zh-CN" b="1" dirty="0"/>
+              <a:t>(</a:t>
+            </a:r>
+            <a:r>
+              <a:rPr lang="en-GB" altLang="zh-CN" b="1" dirty="0" smtClean="0"/>
+              <a:t>loose coupling)</a:t>
+            </a:r>
+            <a:r>
+              <a:rPr lang="zh-CN" altLang="en-GB" b="1" dirty="0"/>
+              <a:t/>
+            </a:r>
+            <a:br>
+              <a:rPr lang="zh-CN" altLang="en-GB" b="1" dirty="0"/>
+            </a:br>
+            <a:endParaRPr lang="zh-CN" altLang="en-US" dirty="0"/>
+          </a:p>
+        </p:txBody>
+      </p:sp>
+      <p:sp>
+        <p:nvSpPr>
+          <p:cNvPr id="3" name="内容占位符 2"/>
+          <p:cNvSpPr>
+            <a:spLocks noGrp="1"/>
+          </p:cNvSpPr>
+          <p:nvPr>
+            <p:ph idx="1"/>
+          </p:nvPr>
+        </p:nvSpPr>
+        <p:spPr>
+          <a:xfrm>
+            <a:off x="1103312" y="2052918"/>
+            <a:ext cx="9235174" cy="4195481"/>
+          </a:xfrm>
+        </p:spPr>
+        <p:txBody>
+          <a:bodyPr/>
+          <a:lstStyle/>
+          <a:p>
+            <a:pPr marL="0" indent="0">
+              <a:buNone/>
+            </a:pPr>
+            <a:r>
+              <a:rPr lang="zh-CN" altLang="en-US" dirty="0" smtClean="0"/>
+              <a:t>日志引擎与日志组件（</a:t>
+            </a:r>
+            <a:r>
+              <a:rPr lang="en-GB" altLang="zh-CN" dirty="0"/>
+              <a:t> Log4J</a:t>
+            </a:r>
+            <a:r>
+              <a:rPr lang="zh-CN" altLang="en-US" dirty="0"/>
+              <a:t>、</a:t>
+            </a:r>
+            <a:r>
+              <a:rPr lang="en-GB" altLang="zh-CN" dirty="0"/>
+              <a:t>SLF4J</a:t>
+            </a:r>
+            <a:r>
+              <a:rPr lang="zh-CN" altLang="en-US" dirty="0"/>
+              <a:t>、</a:t>
+            </a:r>
+            <a:r>
+              <a:rPr lang="en-GB" altLang="zh-CN" dirty="0" err="1"/>
+              <a:t>LogBack</a:t>
+            </a:r>
+            <a:r>
+              <a:rPr lang="en-GB" altLang="zh-CN" dirty="0"/>
+              <a:t> </a:t>
+            </a:r>
+            <a:r>
+              <a:rPr lang="zh-CN" altLang="en-US" dirty="0" smtClean="0"/>
+              <a:t>）是松藕合的关系。</a:t>
+            </a:r>
+            <a:endParaRPr lang="en-US" altLang="zh-CN" dirty="0" smtClean="0"/>
+          </a:p>
+          <a:p>
+            <a:pPr marL="0" indent="0">
+              <a:buNone/>
+            </a:pPr>
+            <a:endParaRPr lang="en-US" altLang="zh-CN" dirty="0"/>
+          </a:p>
+          <a:p>
+            <a:pPr marL="0" indent="0">
+              <a:buNone/>
+            </a:pPr>
+            <a:r>
+              <a:rPr lang="zh-CN" altLang="en-US" dirty="0" smtClean="0"/>
+              <a:t>在自动识别模式下，项目</a:t>
+            </a:r>
+            <a:r>
+              <a:rPr lang="zh-CN" altLang="en-US" b="1" dirty="0" smtClean="0">
+                <a:solidFill>
+                  <a:srgbClr val="FFC000"/>
+                </a:solidFill>
+              </a:rPr>
+              <a:t>引用哪个</a:t>
+            </a:r>
+            <a:r>
+              <a:rPr lang="zh-CN" altLang="en-US" dirty="0" smtClean="0"/>
+              <a:t>日志组件的</a:t>
+            </a:r>
+            <a:r>
+              <a:rPr lang="en-GB" altLang="zh-CN" dirty="0" smtClean="0"/>
+              <a:t>jar</a:t>
+            </a:r>
+            <a:r>
+              <a:rPr lang="zh-CN" altLang="en-US" dirty="0" smtClean="0"/>
+              <a:t>，日志引擎即</a:t>
+            </a:r>
+            <a:r>
+              <a:rPr lang="zh-CN" altLang="en-US" b="1" dirty="0">
+                <a:solidFill>
+                  <a:srgbClr val="FFC000"/>
+                </a:solidFill>
+              </a:rPr>
+              <a:t>使</a:t>
+            </a:r>
+            <a:r>
+              <a:rPr lang="zh-CN" altLang="en-US" b="1" dirty="0" smtClean="0">
+                <a:solidFill>
+                  <a:srgbClr val="FFC000"/>
+                </a:solidFill>
+              </a:rPr>
+              <a:t>用</a:t>
+            </a:r>
+            <a:r>
+              <a:rPr lang="zh-CN" altLang="en-US" b="1" dirty="0">
+                <a:solidFill>
+                  <a:srgbClr val="FFC000"/>
+                </a:solidFill>
+              </a:rPr>
+              <a:t>哪</a:t>
+            </a:r>
+            <a:r>
+              <a:rPr lang="zh-CN" altLang="en-US" b="1" dirty="0" smtClean="0">
+                <a:solidFill>
+                  <a:srgbClr val="FFC000"/>
+                </a:solidFill>
+              </a:rPr>
+              <a:t>个</a:t>
+            </a:r>
+            <a:r>
+              <a:rPr lang="zh-CN" altLang="en-US" dirty="0" smtClean="0"/>
+              <a:t>日志组件。</a:t>
+            </a:r>
+            <a:endParaRPr lang="en-GB" altLang="zh-CN" dirty="0" smtClean="0"/>
+          </a:p>
+          <a:p>
+            <a:pPr marL="0" indent="0">
+              <a:buNone/>
+            </a:pPr>
+            <a:endParaRPr lang="en-GB" altLang="zh-CN" dirty="0"/>
+          </a:p>
+          <a:p>
+            <a:pPr marL="0" indent="0">
+              <a:buNone/>
+            </a:pPr>
+            <a:r>
+              <a:rPr lang="zh-CN" altLang="en-US" dirty="0" smtClean="0"/>
+              <a:t>项目不引用任何日志组件，也能正常运行。实时</a:t>
+            </a:r>
+            <a:r>
+              <a:rPr lang="zh-CN" altLang="en-US" dirty="0"/>
+              <a:t>分析业务繁忙分布、异常捕获、性能排行</a:t>
+            </a:r>
+            <a:r>
+              <a:rPr lang="zh-CN" altLang="en-US" dirty="0" smtClean="0"/>
+              <a:t>榜等功能也是正常使用。</a:t>
+            </a:r>
+            <a:endParaRPr lang="zh-CN" altLang="en-US" dirty="0"/>
+          </a:p>
+        </p:txBody>
+      </p:sp>
+      <p:sp>
+        <p:nvSpPr>
+          <p:cNvPr id="4" name="矩形 3"/>
+          <p:cNvSpPr/>
+          <p:nvPr/>
+        </p:nvSpPr>
+        <p:spPr>
+          <a:xfrm>
+            <a:off x="10448629" y="92329"/>
+            <a:ext cx="587020" cy="923330"/>
+          </a:xfrm>
+          <a:prstGeom prst="rect">
+            <a:avLst/>
+          </a:prstGeom>
+          <a:noFill/>
+        </p:spPr>
+        <p:txBody>
+          <a:bodyPr wrap="none" lIns="91440" tIns="45720" rIns="91440" bIns="45720">
+            <a:spAutoFit/>
+          </a:bodyPr>
+          <a:lstStyle/>
+          <a:p>
+            <a:pPr algn="ctr"/>
+            <a:r>
+              <a:rPr lang="en-GB" altLang="zh-CN" sz="5400" b="1" dirty="0">
+                <a:ln w="12700">
+                  <a:solidFill>
+                    <a:schemeClr val="tx2">
+                      <a:lumMod val="75000"/>
+                    </a:schemeClr>
+                  </a:solidFill>
+                  <a:prstDash val="solid"/>
+                </a:ln>
+                <a:pattFill prst="dkUpDiag">
+                  <a:fgClr>
+                    <a:schemeClr val="tx2"/>
+                  </a:fgClr>
+                  <a:bgClr>
+                    <a:schemeClr val="tx2">
+                      <a:lumMod val="20000"/>
+                      <a:lumOff val="80000"/>
+                    </a:schemeClr>
+                  </a:bgClr>
+                </a:pattFill>
+                <a:effectLst>
+                  <a:outerShdw dist="38100" dir="2640000" algn="bl" rotWithShape="0">
+                    <a:schemeClr val="tx2">
+                      <a:lumMod val="75000"/>
+                    </a:schemeClr>
+                  </a:outerShdw>
+                </a:effectLst>
+                <a:latin typeface="华文隶书" panose="02010800040101010101" pitchFamily="2" charset="-122"/>
+                <a:ea typeface="华文隶书" panose="02010800040101010101" pitchFamily="2" charset="-122"/>
+              </a:rPr>
+              <a:t>L</a:t>
+            </a:r>
+            <a:endParaRPr lang="zh-CN" altLang="en-US" sz="5400" b="1" dirty="0">
+              <a:ln w="12700">
+                <a:solidFill>
+                  <a:schemeClr val="tx2">
+                    <a:lumMod val="75000"/>
+                  </a:schemeClr>
+                </a:solidFill>
+                <a:prstDash val="solid"/>
+              </a:ln>
+              <a:pattFill prst="dkUpDiag">
+                <a:fgClr>
+                  <a:schemeClr val="tx2"/>
+                </a:fgClr>
+                <a:bgClr>
+                  <a:schemeClr val="tx2">
+                    <a:lumMod val="20000"/>
+                    <a:lumOff val="80000"/>
+                  </a:schemeClr>
+                </a:bgClr>
+              </a:pattFill>
+              <a:effectLst>
+                <a:outerShdw dist="38100" dir="2640000" algn="bl" rotWithShape="0">
+                  <a:schemeClr val="tx2">
+                    <a:lumMod val="75000"/>
+                  </a:schemeClr>
+                </a:outerShdw>
+              </a:effectLst>
+              <a:latin typeface="华文隶书" panose="02010800040101010101" pitchFamily="2" charset="-122"/>
+              <a:ea typeface="华文隶书" panose="02010800040101010101" pitchFamily="2" charset="-122"/>
+            </a:endParaRPr>
+          </a:p>
+        </p:txBody>
+      </p:sp>
+    </p:spTree>
+    <p:extLst>
+      <p:ext uri="{BB962C8B-B14F-4D97-AF65-F5344CB8AC3E}">
+        <p14:creationId xmlns:p14="http://schemas.microsoft.com/office/powerpoint/2010/main" val="1982150081"/>
+      </p:ext>
+    </p:extLst>
+  </p:cSld>
+  <p:clrMapOvr>
+    <a:masterClrMapping/>
+  </p:clrMapOvr>
+  <p:timing>
+    <p:tnLst>
+      <p:par>
+        <p:cTn id="1" dur="indefinite" restart="never" nodeType="tmRoot"/>
+      </p:par>
+    </p:tnLst>
+  </p:timing>
+</p:sld>
+</file>
+
+<file path=ppt/slides/slide30.xml><?xml version="1.0" encoding="utf-8"?>
 <p:sld xmlns:a="http://schemas.openxmlformats.org/drawingml/2006/main" xmlns:r="http://schemas.openxmlformats.org/officeDocument/2006/relationships" xmlns:p="http://schemas.openxmlformats.org/presentationml/2006/main">
   <p:cSld>
     <p:spTree>
@@ -12299,325 +12780,6 @@
     <p:extLst>
       <p:ext uri="{BB962C8B-B14F-4D97-AF65-F5344CB8AC3E}">
         <p14:creationId xmlns:p14="http://schemas.microsoft.com/office/powerpoint/2010/main" val="814667531"/>
-      </p:ext>
-    </p:extLst>
-  </p:cSld>
-  <p:clrMapOvr>
-    <a:masterClrMapping/>
-  </p:clrMapOvr>
-  <p:timing>
-    <p:tnLst>
-      <p:par>
-        <p:cTn id="1" dur="indefinite" restart="never" nodeType="tmRoot"/>
-      </p:par>
-    </p:tnLst>
-  </p:timing>
-</p:sld>
-</file>
-
-<file path=ppt/slides/slide3.xml><?xml version="1.0" encoding="utf-8"?>
-<p:sld xmlns:a="http://schemas.openxmlformats.org/drawingml/2006/main" xmlns:r="http://schemas.openxmlformats.org/officeDocument/2006/relationships" xmlns:p="http://schemas.openxmlformats.org/presentationml/2006/main">
-  <p:cSld>
-    <p:spTree>
-      <p:nvGrpSpPr>
-        <p:cNvPr id="1" name=""/>
-        <p:cNvGrpSpPr/>
-        <p:nvPr/>
-      </p:nvGrpSpPr>
-      <p:grpSpPr>
-        <a:xfrm>
-          <a:off x="0" y="0"/>
-          <a:ext cx="0" cy="0"/>
-          <a:chOff x="0" y="0"/>
-          <a:chExt cx="0" cy="0"/>
-        </a:xfrm>
-      </p:grpSpPr>
-      <p:sp>
-        <p:nvSpPr>
-          <p:cNvPr id="2" name="标题 1"/>
-          <p:cNvSpPr>
-            <a:spLocks noGrp="1"/>
-          </p:cNvSpPr>
-          <p:nvPr>
-            <p:ph type="title"/>
-          </p:nvPr>
-        </p:nvSpPr>
-        <p:spPr/>
-        <p:txBody>
-          <a:bodyPr/>
-          <a:lstStyle/>
-          <a:p>
-            <a:r>
-              <a:rPr lang="zh-CN" altLang="en-US" dirty="0" smtClean="0"/>
-              <a:t>松藕合</a:t>
-            </a:r>
-            <a:r>
-              <a:rPr lang="en-GB" altLang="zh-CN" b="1" dirty="0"/>
-              <a:t>(</a:t>
-            </a:r>
-            <a:r>
-              <a:rPr lang="en-GB" altLang="zh-CN" b="1" dirty="0" smtClean="0"/>
-              <a:t>loose coupling)</a:t>
-            </a:r>
-            <a:r>
-              <a:rPr lang="zh-CN" altLang="en-GB" b="1" dirty="0"/>
-              <a:t/>
-            </a:r>
-            <a:br>
-              <a:rPr lang="zh-CN" altLang="en-GB" b="1" dirty="0"/>
-            </a:br>
-            <a:endParaRPr lang="zh-CN" altLang="en-US" dirty="0"/>
-          </a:p>
-        </p:txBody>
-      </p:sp>
-      <p:sp>
-        <p:nvSpPr>
-          <p:cNvPr id="3" name="内容占位符 2"/>
-          <p:cNvSpPr>
-            <a:spLocks noGrp="1"/>
-          </p:cNvSpPr>
-          <p:nvPr>
-            <p:ph idx="1"/>
-          </p:nvPr>
-        </p:nvSpPr>
-        <p:spPr>
-          <a:xfrm>
-            <a:off x="1103312" y="2052918"/>
-            <a:ext cx="9235174" cy="4195481"/>
-          </a:xfrm>
-        </p:spPr>
-        <p:txBody>
-          <a:bodyPr/>
-          <a:lstStyle/>
-          <a:p>
-            <a:pPr marL="0" indent="0">
-              <a:buNone/>
-            </a:pPr>
-            <a:r>
-              <a:rPr lang="zh-CN" altLang="en-US" dirty="0" smtClean="0"/>
-              <a:t>日志引擎与日志组件（</a:t>
-            </a:r>
-            <a:r>
-              <a:rPr lang="en-GB" altLang="zh-CN" dirty="0"/>
-              <a:t> Log4J</a:t>
-            </a:r>
-            <a:r>
-              <a:rPr lang="zh-CN" altLang="en-US" dirty="0"/>
-              <a:t>、</a:t>
-            </a:r>
-            <a:r>
-              <a:rPr lang="en-GB" altLang="zh-CN" dirty="0"/>
-              <a:t>SLF4J</a:t>
-            </a:r>
-            <a:r>
-              <a:rPr lang="zh-CN" altLang="en-US" dirty="0"/>
-              <a:t>、</a:t>
-            </a:r>
-            <a:r>
-              <a:rPr lang="en-GB" altLang="zh-CN" dirty="0" err="1"/>
-              <a:t>LogBack</a:t>
-            </a:r>
-            <a:r>
-              <a:rPr lang="en-GB" altLang="zh-CN" dirty="0"/>
-              <a:t> </a:t>
-            </a:r>
-            <a:r>
-              <a:rPr lang="zh-CN" altLang="en-US" dirty="0" smtClean="0"/>
-              <a:t>）是松藕合的关系。</a:t>
-            </a:r>
-            <a:endParaRPr lang="en-US" altLang="zh-CN" dirty="0" smtClean="0"/>
-          </a:p>
-          <a:p>
-            <a:pPr marL="0" indent="0">
-              <a:buNone/>
-            </a:pPr>
-            <a:endParaRPr lang="en-US" altLang="zh-CN" dirty="0"/>
-          </a:p>
-          <a:p>
-            <a:pPr marL="0" indent="0">
-              <a:buNone/>
-            </a:pPr>
-            <a:r>
-              <a:rPr lang="zh-CN" altLang="en-US" dirty="0" smtClean="0"/>
-              <a:t>在自动识别模式下，项目</a:t>
-            </a:r>
-            <a:r>
-              <a:rPr lang="zh-CN" altLang="en-US" b="1" dirty="0" smtClean="0">
-                <a:solidFill>
-                  <a:srgbClr val="FFC000"/>
-                </a:solidFill>
-              </a:rPr>
-              <a:t>引用哪个</a:t>
-            </a:r>
-            <a:r>
-              <a:rPr lang="zh-CN" altLang="en-US" dirty="0" smtClean="0"/>
-              <a:t>日志组件的</a:t>
-            </a:r>
-            <a:r>
-              <a:rPr lang="en-GB" altLang="zh-CN" dirty="0" smtClean="0"/>
-              <a:t>jar</a:t>
-            </a:r>
-            <a:r>
-              <a:rPr lang="zh-CN" altLang="en-US" dirty="0" smtClean="0"/>
-              <a:t>，日志引擎即</a:t>
-            </a:r>
-            <a:r>
-              <a:rPr lang="zh-CN" altLang="en-US" b="1" dirty="0">
-                <a:solidFill>
-                  <a:srgbClr val="FFC000"/>
-                </a:solidFill>
-              </a:rPr>
-              <a:t>使</a:t>
-            </a:r>
-            <a:r>
-              <a:rPr lang="zh-CN" altLang="en-US" b="1" dirty="0" smtClean="0">
-                <a:solidFill>
-                  <a:srgbClr val="FFC000"/>
-                </a:solidFill>
-              </a:rPr>
-              <a:t>用</a:t>
-            </a:r>
-            <a:r>
-              <a:rPr lang="zh-CN" altLang="en-US" b="1" dirty="0">
-                <a:solidFill>
-                  <a:srgbClr val="FFC000"/>
-                </a:solidFill>
-              </a:rPr>
-              <a:t>哪</a:t>
-            </a:r>
-            <a:r>
-              <a:rPr lang="zh-CN" altLang="en-US" b="1" dirty="0" smtClean="0">
-                <a:solidFill>
-                  <a:srgbClr val="FFC000"/>
-                </a:solidFill>
-              </a:rPr>
-              <a:t>个</a:t>
-            </a:r>
-            <a:r>
-              <a:rPr lang="zh-CN" altLang="en-US" dirty="0" smtClean="0"/>
-              <a:t>日志组件。</a:t>
-            </a:r>
-            <a:endParaRPr lang="en-GB" altLang="zh-CN" dirty="0" smtClean="0"/>
-          </a:p>
-          <a:p>
-            <a:pPr marL="0" indent="0">
-              <a:buNone/>
-            </a:pPr>
-            <a:endParaRPr lang="en-GB" altLang="zh-CN" dirty="0"/>
-          </a:p>
-          <a:p>
-            <a:pPr marL="0" indent="0">
-              <a:buNone/>
-            </a:pPr>
-            <a:r>
-              <a:rPr lang="zh-CN" altLang="en-US" dirty="0" smtClean="0"/>
-              <a:t>项目不引用任何日志组件，也能正常运行。实时</a:t>
-            </a:r>
-            <a:r>
-              <a:rPr lang="zh-CN" altLang="en-US" dirty="0"/>
-              <a:t>分析业务繁忙分布、异常捕获、性能排行</a:t>
-            </a:r>
-            <a:r>
-              <a:rPr lang="zh-CN" altLang="en-US" dirty="0" smtClean="0"/>
-              <a:t>榜等功能也是正常使用。</a:t>
-            </a:r>
-            <a:endParaRPr lang="zh-CN" altLang="en-US" dirty="0"/>
-          </a:p>
-        </p:txBody>
-      </p:sp>
-      <p:sp>
-        <p:nvSpPr>
-          <p:cNvPr id="4" name="矩形 3"/>
-          <p:cNvSpPr/>
-          <p:nvPr/>
-        </p:nvSpPr>
-        <p:spPr>
-          <a:xfrm>
-            <a:off x="10448629" y="92329"/>
-            <a:ext cx="587020" cy="923330"/>
-          </a:xfrm>
-          <a:prstGeom prst="rect">
-            <a:avLst/>
-          </a:prstGeom>
-          <a:noFill/>
-        </p:spPr>
-        <p:txBody>
-          <a:bodyPr wrap="none" lIns="91440" tIns="45720" rIns="91440" bIns="45720">
-            <a:spAutoFit/>
-          </a:bodyPr>
-          <a:lstStyle/>
-          <a:p>
-            <a:pPr algn="ctr"/>
-            <a:r>
-              <a:rPr lang="en-GB" altLang="zh-CN" sz="5400" b="1" dirty="0">
-                <a:ln w="12700">
-                  <a:solidFill>
-                    <a:schemeClr val="tx2">
-                      <a:lumMod val="75000"/>
-                    </a:schemeClr>
-                  </a:solidFill>
-                  <a:prstDash val="solid"/>
-                </a:ln>
-                <a:pattFill prst="dkUpDiag">
-                  <a:fgClr>
-                    <a:schemeClr val="tx2"/>
-                  </a:fgClr>
-                  <a:bgClr>
-                    <a:schemeClr val="tx2">
-                      <a:lumMod val="20000"/>
-                      <a:lumOff val="80000"/>
-                    </a:schemeClr>
-                  </a:bgClr>
-                </a:pattFill>
-                <a:effectLst>
-                  <a:outerShdw dist="38100" dir="2640000" algn="bl" rotWithShape="0">
-                    <a:schemeClr val="tx2">
-                      <a:lumMod val="75000"/>
-                    </a:schemeClr>
-                  </a:outerShdw>
-                </a:effectLst>
-                <a:latin typeface="华文隶书" panose="02010800040101010101" pitchFamily="2" charset="-122"/>
-                <a:ea typeface="华文隶书" panose="02010800040101010101" pitchFamily="2" charset="-122"/>
-              </a:rPr>
-              <a:t>L</a:t>
-            </a:r>
-            <a:endParaRPr lang="zh-CN" altLang="en-US" sz="5400" b="1" dirty="0">
-              <a:ln w="12700">
-                <a:solidFill>
-                  <a:schemeClr val="tx2">
-                    <a:lumMod val="75000"/>
-                  </a:schemeClr>
-                </a:solidFill>
-                <a:prstDash val="solid"/>
-              </a:ln>
-              <a:pattFill prst="dkUpDiag">
-                <a:fgClr>
-                  <a:schemeClr val="tx2"/>
-                </a:fgClr>
-                <a:bgClr>
-                  <a:schemeClr val="tx2">
-                    <a:lumMod val="20000"/>
-                    <a:lumOff val="80000"/>
-                  </a:schemeClr>
-                </a:bgClr>
-              </a:pattFill>
-              <a:effectLst>
-                <a:outerShdw dist="38100" dir="2640000" algn="bl" rotWithShape="0">
-                  <a:schemeClr val="tx2">
-                    <a:lumMod val="75000"/>
-                  </a:schemeClr>
-                </a:outerShdw>
-              </a:effectLst>
-              <a:latin typeface="华文隶书" panose="02010800040101010101" pitchFamily="2" charset="-122"/>
-              <a:ea typeface="华文隶书" panose="02010800040101010101" pitchFamily="2" charset="-122"/>
-            </a:endParaRPr>
-          </a:p>
-        </p:txBody>
-      </p:sp>
-    </p:spTree>
-    <p:extLst>
-      <p:ext uri="{BB962C8B-B14F-4D97-AF65-F5344CB8AC3E}">
-        <p14:creationId xmlns:p14="http://schemas.microsoft.com/office/powerpoint/2010/main" val="1982150081"/>
       </p:ext>
     </p:extLst>
   </p:cSld>
